--- a/数据分析竞赛_张军军.pptx
+++ b/数据分析竞赛_张军军.pptx
@@ -18,7 +18,7 @@
     <p:sldId id="266" r:id="rId9"/>
     <p:sldId id="261" r:id="rId10"/>
     <p:sldId id="265" r:id="rId11"/>
-    <p:sldId id="269" r:id="rId12"/>
+    <p:sldId id="287" r:id="rId12"/>
     <p:sldId id="277" r:id="rId13"/>
     <p:sldId id="264" r:id="rId14"/>
     <p:sldId id="279" r:id="rId15"/>
@@ -591,10 +591,10 @@
                 <c:formatCode>0%</c:formatCode>
                 <c:ptCount val="2"/>
                 <c:pt idx="0">
-                  <c:v>0.56999999999999995</c:v>
+                  <c:v>0.54</c:v>
                 </c:pt>
                 <c:pt idx="1">
-                  <c:v>0.43</c:v>
+                  <c:v>0.46</c:v>
                 </c:pt>
               </c:numCache>
             </c:numRef>
@@ -3141,7 +3141,7 @@
           <a:p>
             <a:fld id="{959EEDEB-74DD-4590-ADB0-3BDFBC7AA6C1}" type="datetimeFigureOut">
               <a:rPr lang="zh-CN" altLang="en-US" smtClean="0"/>
-              <a:t>2018/9/18</a:t>
+              <a:t>2018/9/20</a:t>
             </a:fld>
             <a:endParaRPr lang="zh-CN" altLang="en-US"/>
           </a:p>
@@ -3540,7 +3540,7 @@
           <a:p>
             <a:fld id="{698485DF-3FAB-45E9-A642-7745AB3E3AFD}" type="datetimeFigureOut">
               <a:rPr lang="zh-CN" altLang="en-US" smtClean="0"/>
-              <a:t>2018/9/18</a:t>
+              <a:t>2018/9/20</a:t>
             </a:fld>
             <a:endParaRPr lang="zh-CN" altLang="en-US"/>
           </a:p>
@@ -3705,7 +3705,7 @@
           <a:p>
             <a:fld id="{698485DF-3FAB-45E9-A642-7745AB3E3AFD}" type="datetimeFigureOut">
               <a:rPr lang="zh-CN" altLang="en-US" smtClean="0"/>
-              <a:t>2018/9/18</a:t>
+              <a:t>2018/9/20</a:t>
             </a:fld>
             <a:endParaRPr lang="zh-CN" altLang="en-US"/>
           </a:p>
@@ -3880,7 +3880,7 @@
           <a:p>
             <a:fld id="{698485DF-3FAB-45E9-A642-7745AB3E3AFD}" type="datetimeFigureOut">
               <a:rPr lang="zh-CN" altLang="en-US" smtClean="0"/>
-              <a:t>2018/9/18</a:t>
+              <a:t>2018/9/20</a:t>
             </a:fld>
             <a:endParaRPr lang="zh-CN" altLang="en-US"/>
           </a:p>
@@ -4045,7 +4045,7 @@
           <a:p>
             <a:fld id="{698485DF-3FAB-45E9-A642-7745AB3E3AFD}" type="datetimeFigureOut">
               <a:rPr lang="zh-CN" altLang="en-US" smtClean="0"/>
-              <a:t>2018/9/18</a:t>
+              <a:t>2018/9/20</a:t>
             </a:fld>
             <a:endParaRPr lang="zh-CN" altLang="en-US"/>
           </a:p>
@@ -4286,7 +4286,7 @@
           <a:p>
             <a:fld id="{698485DF-3FAB-45E9-A642-7745AB3E3AFD}" type="datetimeFigureOut">
               <a:rPr lang="zh-CN" altLang="en-US" smtClean="0"/>
-              <a:t>2018/9/18</a:t>
+              <a:t>2018/9/20</a:t>
             </a:fld>
             <a:endParaRPr lang="zh-CN" altLang="en-US"/>
           </a:p>
@@ -4513,7 +4513,7 @@
           <a:p>
             <a:fld id="{698485DF-3FAB-45E9-A642-7745AB3E3AFD}" type="datetimeFigureOut">
               <a:rPr lang="zh-CN" altLang="en-US" smtClean="0"/>
-              <a:t>2018/9/18</a:t>
+              <a:t>2018/9/20</a:t>
             </a:fld>
             <a:endParaRPr lang="zh-CN" altLang="en-US"/>
           </a:p>
@@ -4875,7 +4875,7 @@
           <a:p>
             <a:fld id="{698485DF-3FAB-45E9-A642-7745AB3E3AFD}" type="datetimeFigureOut">
               <a:rPr lang="zh-CN" altLang="en-US" smtClean="0"/>
-              <a:t>2018/9/18</a:t>
+              <a:t>2018/9/20</a:t>
             </a:fld>
             <a:endParaRPr lang="zh-CN" altLang="en-US"/>
           </a:p>
@@ -4988,7 +4988,7 @@
           <a:p>
             <a:fld id="{698485DF-3FAB-45E9-A642-7745AB3E3AFD}" type="datetimeFigureOut">
               <a:rPr lang="zh-CN" altLang="en-US" smtClean="0"/>
-              <a:t>2018/9/18</a:t>
+              <a:t>2018/9/20</a:t>
             </a:fld>
             <a:endParaRPr lang="zh-CN" altLang="en-US"/>
           </a:p>
@@ -5078,7 +5078,7 @@
           <a:p>
             <a:fld id="{698485DF-3FAB-45E9-A642-7745AB3E3AFD}" type="datetimeFigureOut">
               <a:rPr lang="zh-CN" altLang="en-US" smtClean="0"/>
-              <a:t>2018/9/18</a:t>
+              <a:t>2018/9/20</a:t>
             </a:fld>
             <a:endParaRPr lang="zh-CN" altLang="en-US"/>
           </a:p>
@@ -5350,7 +5350,7 @@
           <a:p>
             <a:fld id="{698485DF-3FAB-45E9-A642-7745AB3E3AFD}" type="datetimeFigureOut">
               <a:rPr lang="zh-CN" altLang="en-US" smtClean="0"/>
-              <a:t>2018/9/18</a:t>
+              <a:t>2018/9/20</a:t>
             </a:fld>
             <a:endParaRPr lang="zh-CN" altLang="en-US"/>
           </a:p>
@@ -5598,7 +5598,7 @@
           <a:p>
             <a:fld id="{698485DF-3FAB-45E9-A642-7745AB3E3AFD}" type="datetimeFigureOut">
               <a:rPr lang="zh-CN" altLang="en-US" smtClean="0"/>
-              <a:t>2018/9/18</a:t>
+              <a:t>2018/9/20</a:t>
             </a:fld>
             <a:endParaRPr lang="zh-CN" altLang="en-US"/>
           </a:p>
@@ -5806,7 +5806,7 @@
           <a:p>
             <a:fld id="{698485DF-3FAB-45E9-A642-7745AB3E3AFD}" type="datetimeFigureOut">
               <a:rPr lang="zh-CN" altLang="en-US" smtClean="0"/>
-              <a:t>2018/9/18</a:t>
+              <a:t>2018/9/20</a:t>
             </a:fld>
             <a:endParaRPr lang="zh-CN" altLang="en-US"/>
           </a:p>
@@ -7417,18 +7417,7 @@
                 <a:ea typeface="微软雅黑" panose="020B0503020204020204" pitchFamily="34" charset="-122"/>
                 <a:cs typeface="Arial" panose="020B0604020202020204" pitchFamily="34" charset="0"/>
               </a:rPr>
-              <a:t>m</a:t>
-            </a:r>
-            <a:r>
-              <a:rPr lang="en-US" altLang="zh-CN" sz="1600" dirty="0" err="1" smtClean="0">
-                <a:solidFill>
-                  <a:srgbClr val="002B41"/>
-                </a:solidFill>
-                <a:latin typeface="Arial" panose="020B0604020202020204" pitchFamily="34" charset="0"/>
-                <a:ea typeface="微软雅黑" panose="020B0503020204020204" pitchFamily="34" charset="-122"/>
-                <a:cs typeface="Arial" panose="020B0604020202020204" pitchFamily="34" charset="0"/>
-              </a:rPr>
-              <a:t>ax_depth</a:t>
+              <a:t>max_depth</a:t>
             </a:r>
             <a:r>
               <a:rPr lang="en-US" altLang="zh-CN" sz="1600" dirty="0" smtClean="0">
@@ -8548,14 +8537,6 @@
 <file path=ppt/slides/slide11.xml><?xml version="1.0" encoding="utf-8"?>
 <p:sld xmlns:a="http://schemas.openxmlformats.org/drawingml/2006/main" xmlns:r="http://schemas.openxmlformats.org/officeDocument/2006/relationships" xmlns:p="http://schemas.openxmlformats.org/presentationml/2006/main">
   <p:cSld>
-    <p:bg>
-      <p:bgPr>
-        <a:solidFill>
-          <a:srgbClr val="F1F1F1"/>
-        </a:solidFill>
-        <a:effectLst/>
-      </p:bgPr>
-    </p:bg>
     <p:spTree>
       <p:nvGrpSpPr>
         <p:cNvPr id="1" name=""/>
@@ -8602,13 +8583,6 @@
               </a:rPr>
               <a:t>算法实现与调优</a:t>
             </a:r>
-            <a:endParaRPr lang="zh-CN" altLang="en-US" sz="2000" dirty="0">
-              <a:solidFill>
-                <a:srgbClr val="002B41"/>
-              </a:solidFill>
-              <a:latin typeface="微软雅黑" panose="020B0503020204020204" pitchFamily="34" charset="-122"/>
-              <a:ea typeface="微软雅黑" panose="020B0503020204020204" pitchFamily="34" charset="-122"/>
-            </a:endParaRPr>
           </a:p>
         </p:txBody>
       </p:sp>
@@ -8773,8 +8747,8 @@
         </p:nvGrpSpPr>
         <p:grpSpPr>
           <a:xfrm>
-            <a:off x="489412" y="2919670"/>
-            <a:ext cx="2915855" cy="2206535"/>
+            <a:off x="9163699" y="1428543"/>
+            <a:ext cx="1833427" cy="1686397"/>
             <a:chOff x="230126" y="2180286"/>
             <a:chExt cx="4399970" cy="2933313"/>
           </a:xfrm>
@@ -8784,11 +8758,7 @@
             <p:cNvPr id="6" name="图表 5"/>
             <p:cNvGraphicFramePr/>
             <p:nvPr>
-              <p:extLst>
-                <p:ext uri="{D42A27DB-BD31-4B8C-83A1-F6EECF244321}">
-                  <p14:modId xmlns:p14="http://schemas.microsoft.com/office/powerpoint/2010/main" val="1125508149"/>
-                </p:ext>
-              </p:extLst>
+              <p:extLst/>
             </p:nvPr>
           </p:nvGraphicFramePr>
           <p:xfrm>
@@ -8810,7 +8780,7 @@
           <p:spPr>
             <a:xfrm>
               <a:off x="2027648" y="3306507"/>
-              <a:ext cx="994652" cy="490981"/>
+              <a:ext cx="1201030" cy="481811"/>
             </a:xfrm>
             <a:prstGeom prst="rect">
               <a:avLst/>
@@ -8824,7 +8794,7 @@
             <a:lstStyle/>
             <a:p>
               <a:r>
-                <a:rPr lang="en-US" altLang="zh-CN" dirty="0" smtClean="0">
+                <a:rPr lang="en-US" altLang="zh-CN" sz="1200" dirty="0" smtClean="0">
                   <a:solidFill>
                     <a:srgbClr val="002B41"/>
                   </a:solidFill>
@@ -8833,7 +8803,7 @@
                 </a:rPr>
                 <a:t>82%</a:t>
               </a:r>
-              <a:endParaRPr lang="zh-CN" altLang="en-US" dirty="0">
+              <a:endParaRPr lang="zh-CN" altLang="en-US" sz="1200" dirty="0">
                 <a:solidFill>
                   <a:srgbClr val="002B41"/>
                 </a:solidFill>
@@ -8852,7 +8822,7 @@
         </p:nvSpPr>
         <p:spPr>
           <a:xfrm>
-            <a:off x="1309047" y="1928959"/>
+            <a:off x="7317527" y="2076021"/>
             <a:ext cx="1492213" cy="369332"/>
           </a:xfrm>
           <a:prstGeom prst="rect">
@@ -8896,7 +8866,7 @@
         </p:nvSpPr>
         <p:spPr>
           <a:xfrm>
-            <a:off x="4058913" y="1928959"/>
+            <a:off x="7317527" y="3270931"/>
             <a:ext cx="1492213" cy="369332"/>
           </a:xfrm>
           <a:prstGeom prst="rect">
@@ -8940,7 +8910,7 @@
         </p:nvSpPr>
         <p:spPr>
           <a:xfrm>
-            <a:off x="6779751" y="1928959"/>
+            <a:off x="7317527" y="4425508"/>
             <a:ext cx="1492213" cy="369332"/>
           </a:xfrm>
           <a:prstGeom prst="rect">
@@ -8984,7 +8954,7 @@
         </p:nvSpPr>
         <p:spPr>
           <a:xfrm>
-            <a:off x="9289008" y="1928959"/>
+            <a:off x="7317528" y="5594763"/>
             <a:ext cx="1492213" cy="369332"/>
           </a:xfrm>
           <a:prstGeom prst="rect">
@@ -9028,9 +8998,9 @@
         </p:nvGrpSpPr>
         <p:grpSpPr>
           <a:xfrm>
-            <a:off x="3260007" y="2918521"/>
-            <a:ext cx="2915855" cy="2206535"/>
-            <a:chOff x="230126" y="2180286"/>
+            <a:off x="9163699" y="2599465"/>
+            <a:ext cx="1833427" cy="1686397"/>
+            <a:chOff x="14750756" y="855005"/>
             <a:chExt cx="4399970" cy="2933313"/>
           </a:xfrm>
         </p:grpSpPr>
@@ -9041,13 +9011,13 @@
             <p:nvPr>
               <p:extLst>
                 <p:ext uri="{D42A27DB-BD31-4B8C-83A1-F6EECF244321}">
-                  <p14:modId xmlns:p14="http://schemas.microsoft.com/office/powerpoint/2010/main" val="2272912985"/>
+                  <p14:modId xmlns:p14="http://schemas.microsoft.com/office/powerpoint/2010/main" val="3825833810"/>
                 </p:ext>
               </p:extLst>
             </p:nvPr>
           </p:nvGraphicFramePr>
           <p:xfrm>
-            <a:off x="230126" y="2180286"/>
+            <a:off x="14750756" y="855005"/>
             <a:ext cx="4399970" cy="2933313"/>
           </p:xfrm>
           <a:graphic>
@@ -9064,8 +9034,8 @@
           </p:nvSpPr>
           <p:spPr>
             <a:xfrm>
-              <a:off x="2027648" y="3306507"/>
-              <a:ext cx="994652" cy="490981"/>
+              <a:off x="16442951" y="2022951"/>
+              <a:ext cx="1201030" cy="481811"/>
             </a:xfrm>
             <a:prstGeom prst="rect">
               <a:avLst/>
@@ -9079,7 +9049,7 @@
             <a:lstStyle/>
             <a:p>
               <a:r>
-                <a:rPr lang="en-US" altLang="zh-CN" dirty="0" smtClean="0">
+                <a:rPr lang="en-US" altLang="zh-CN" sz="1200" dirty="0" smtClean="0">
                   <a:solidFill>
                     <a:srgbClr val="002B41"/>
                   </a:solidFill>
@@ -9088,7 +9058,7 @@
                 </a:rPr>
                 <a:t>67%</a:t>
               </a:r>
-              <a:endParaRPr lang="zh-CN" altLang="en-US" dirty="0">
+              <a:endParaRPr lang="zh-CN" altLang="en-US" sz="1200" dirty="0">
                 <a:solidFill>
                   <a:srgbClr val="002B41"/>
                 </a:solidFill>
@@ -9107,8 +9077,8 @@
         </p:nvGrpSpPr>
         <p:grpSpPr>
           <a:xfrm>
-            <a:off x="6011074" y="2918521"/>
-            <a:ext cx="2915855" cy="2206535"/>
+            <a:off x="9163699" y="3778030"/>
+            <a:ext cx="1833427" cy="1686397"/>
             <a:chOff x="230126" y="2180286"/>
             <a:chExt cx="4399970" cy="2933313"/>
           </a:xfrm>
@@ -9118,11 +9088,7 @@
             <p:cNvPr id="31" name="图表 30"/>
             <p:cNvGraphicFramePr/>
             <p:nvPr>
-              <p:extLst>
-                <p:ext uri="{D42A27DB-BD31-4B8C-83A1-F6EECF244321}">
-                  <p14:modId xmlns:p14="http://schemas.microsoft.com/office/powerpoint/2010/main" val="1106242241"/>
-                </p:ext>
-              </p:extLst>
+              <p:extLst/>
             </p:nvPr>
           </p:nvGraphicFramePr>
           <p:xfrm>
@@ -9144,7 +9110,7 @@
           <p:spPr>
             <a:xfrm>
               <a:off x="2027648" y="3306507"/>
-              <a:ext cx="994652" cy="490981"/>
+              <a:ext cx="1201030" cy="481811"/>
             </a:xfrm>
             <a:prstGeom prst="rect">
               <a:avLst/>
@@ -9158,16 +9124,16 @@
             <a:lstStyle/>
             <a:p>
               <a:r>
-                <a:rPr lang="en-US" altLang="zh-CN" dirty="0" smtClean="0">
+                <a:rPr lang="en-US" altLang="zh-CN" sz="1200" dirty="0" smtClean="0">
                   <a:solidFill>
                     <a:srgbClr val="002B41"/>
                   </a:solidFill>
                   <a:latin typeface="微软雅黑" panose="020B0503020204020204" pitchFamily="34" charset="-122"/>
                   <a:ea typeface="微软雅黑" panose="020B0503020204020204" pitchFamily="34" charset="-122"/>
                 </a:rPr>
-                <a:t>43%</a:t>
+                <a:t>46%</a:t>
               </a:r>
-              <a:endParaRPr lang="zh-CN" altLang="en-US" dirty="0">
+              <a:endParaRPr lang="zh-CN" altLang="en-US" sz="1200" dirty="0">
                 <a:solidFill>
                   <a:srgbClr val="002B41"/>
                 </a:solidFill>
@@ -9186,8 +9152,8 @@
         </p:nvGrpSpPr>
         <p:grpSpPr>
           <a:xfrm>
-            <a:off x="8495429" y="2918521"/>
-            <a:ext cx="2915855" cy="2206535"/>
+            <a:off x="9163699" y="5009881"/>
+            <a:ext cx="1833427" cy="1686397"/>
             <a:chOff x="230126" y="2180286"/>
             <a:chExt cx="4399970" cy="2933313"/>
           </a:xfrm>
@@ -9197,11 +9163,7 @@
             <p:cNvPr id="34" name="图表 33"/>
             <p:cNvGraphicFramePr/>
             <p:nvPr>
-              <p:extLst>
-                <p:ext uri="{D42A27DB-BD31-4B8C-83A1-F6EECF244321}">
-                  <p14:modId xmlns:p14="http://schemas.microsoft.com/office/powerpoint/2010/main" val="1520311405"/>
-                </p:ext>
-              </p:extLst>
+              <p:extLst/>
             </p:nvPr>
           </p:nvGraphicFramePr>
           <p:xfrm>
@@ -9223,7 +9185,7 @@
           <p:spPr>
             <a:xfrm>
               <a:off x="2027648" y="3306507"/>
-              <a:ext cx="994652" cy="490981"/>
+              <a:ext cx="1201030" cy="481811"/>
             </a:xfrm>
             <a:prstGeom prst="rect">
               <a:avLst/>
@@ -9236,17 +9198,18 @@
             </a:bodyPr>
             <a:lstStyle/>
             <a:p>
+              <a:pPr algn="ctr"/>
               <a:r>
-                <a:rPr lang="en-US" altLang="zh-CN" dirty="0" smtClean="0">
+                <a:rPr lang="en-US" altLang="zh-CN" sz="1200" dirty="0" smtClean="0">
                   <a:solidFill>
                     <a:srgbClr val="002B41"/>
                   </a:solidFill>
                   <a:latin typeface="微软雅黑" panose="020B0503020204020204" pitchFamily="34" charset="-122"/>
                   <a:ea typeface="微软雅黑" panose="020B0503020204020204" pitchFamily="34" charset="-122"/>
                 </a:rPr>
-                <a:t>53%</a:t>
+                <a:t>55%</a:t>
               </a:r>
-              <a:endParaRPr lang="zh-CN" altLang="en-US" dirty="0">
+              <a:endParaRPr lang="zh-CN" altLang="en-US" sz="1200" dirty="0">
                 <a:solidFill>
                   <a:srgbClr val="002B41"/>
                 </a:solidFill>
@@ -9257,7 +9220,110 @@
           </p:txBody>
         </p:sp>
       </p:grpSp>
+      <p:pic>
+        <p:nvPicPr>
+          <p:cNvPr id="8" name="图片 7"/>
+          <p:cNvPicPr>
+            <a:picLocks noChangeAspect="1"/>
+          </p:cNvPicPr>
+          <p:nvPr/>
+        </p:nvPicPr>
+        <p:blipFill>
+          <a:blip r:embed="rId6"/>
+          <a:stretch>
+            <a:fillRect/>
+          </a:stretch>
+        </p:blipFill>
+        <p:spPr>
+          <a:xfrm>
+            <a:off x="514469" y="1944063"/>
+            <a:ext cx="5743977" cy="4353059"/>
+          </a:xfrm>
+          <a:prstGeom prst="rect">
+            <a:avLst/>
+          </a:prstGeom>
+        </p:spPr>
+      </p:pic>
+      <p:sp>
+        <p:nvSpPr>
+          <p:cNvPr id="23" name="TextBox 76"/>
+          <p:cNvSpPr txBox="1"/>
+          <p:nvPr/>
+        </p:nvSpPr>
+        <p:spPr>
+          <a:xfrm>
+            <a:off x="931401" y="1435696"/>
+            <a:ext cx="2803472" cy="369332"/>
+          </a:xfrm>
+          <a:prstGeom prst="rect">
+            <a:avLst/>
+          </a:prstGeom>
+          <a:noFill/>
+          <a:effectLst/>
+        </p:spPr>
+        <p:txBody>
+          <a:bodyPr wrap="square" rtlCol="0">
+            <a:spAutoFit/>
+          </a:bodyPr>
+          <a:lstStyle/>
+          <a:p>
+            <a:pPr algn="ctr"/>
+            <a:r>
+              <a:rPr lang="en-US" altLang="zh-CN" b="1" dirty="0" smtClean="0">
+                <a:solidFill>
+                  <a:srgbClr val="002B41"/>
+                </a:solidFill>
+                <a:latin typeface="微软雅黑" panose="020B0503020204020204" pitchFamily="34" charset="-122"/>
+                <a:ea typeface="微软雅黑" panose="020B0503020204020204" pitchFamily="34" charset="-122"/>
+              </a:rPr>
+              <a:t>ROC</a:t>
+            </a:r>
+            <a:r>
+              <a:rPr lang="zh-CN" altLang="en-US" b="1" dirty="0" smtClean="0">
+                <a:solidFill>
+                  <a:srgbClr val="002B41"/>
+                </a:solidFill>
+                <a:latin typeface="微软雅黑" panose="020B0503020204020204" pitchFamily="34" charset="-122"/>
+                <a:ea typeface="微软雅黑" panose="020B0503020204020204" pitchFamily="34" charset="-122"/>
+              </a:rPr>
+              <a:t>曲线</a:t>
+            </a:r>
+            <a:r>
+              <a:rPr lang="en-US" altLang="zh-CN" b="1" dirty="0" smtClean="0">
+                <a:solidFill>
+                  <a:srgbClr val="002B41"/>
+                </a:solidFill>
+                <a:latin typeface="微软雅黑" panose="020B0503020204020204" pitchFamily="34" charset="-122"/>
+                <a:ea typeface="微软雅黑" panose="020B0503020204020204" pitchFamily="34" charset="-122"/>
+              </a:rPr>
+              <a:t>(5</a:t>
+            </a:r>
+            <a:r>
+              <a:rPr lang="zh-CN" altLang="en-US" b="1" dirty="0" smtClean="0">
+                <a:solidFill>
+                  <a:srgbClr val="002B41"/>
+                </a:solidFill>
+                <a:latin typeface="微软雅黑" panose="020B0503020204020204" pitchFamily="34" charset="-122"/>
+                <a:ea typeface="微软雅黑" panose="020B0503020204020204" pitchFamily="34" charset="-122"/>
+              </a:rPr>
+              <a:t>折交叉验证）</a:t>
+            </a:r>
+            <a:endParaRPr lang="zh-CN" altLang="en-US" b="1" dirty="0">
+              <a:solidFill>
+                <a:srgbClr val="002B41"/>
+              </a:solidFill>
+              <a:latin typeface="微软雅黑" panose="020B0503020204020204" pitchFamily="34" charset="-122"/>
+              <a:ea typeface="微软雅黑" panose="020B0503020204020204" pitchFamily="34" charset="-122"/>
+            </a:endParaRPr>
+          </a:p>
+        </p:txBody>
+      </p:sp>
     </p:spTree>
+    <p:extLst>
+      <p:ext uri="{BB962C8B-B14F-4D97-AF65-F5344CB8AC3E}">
+        <p14:creationId xmlns:p14="http://schemas.microsoft.com/office/powerpoint/2010/main" val="3259101379"/>
+      </p:ext>
+    </p:extLst>
   </p:cSld>
   <p:clrMapOvr>
     <a:masterClrMapping/>
@@ -10716,7 +10782,17 @@
                 <a:latin typeface="微软雅黑" panose="020B0503020204020204" pitchFamily="34" charset="-122"/>
                 <a:ea typeface="微软雅黑" panose="020B0503020204020204" pitchFamily="34" charset="-122"/>
               </a:rPr>
-              <a:t>更多维度的评价标准去进行特征选择。</a:t>
+              <a:t>更多维度的评价标准去进行</a:t>
+            </a:r>
+            <a:r>
+              <a:rPr lang="zh-CN" altLang="en-US" sz="1400" dirty="0" smtClean="0">
+                <a:solidFill>
+                  <a:srgbClr val="002B41"/>
+                </a:solidFill>
+                <a:latin typeface="微软雅黑" panose="020B0503020204020204" pitchFamily="34" charset="-122"/>
+                <a:ea typeface="微软雅黑" panose="020B0503020204020204" pitchFamily="34" charset="-122"/>
+              </a:rPr>
+              <a:t>特征选择。</a:t>
             </a:r>
             <a:endParaRPr lang="en-US" altLang="zh-CN" sz="1400" dirty="0">
               <a:solidFill>
@@ -14364,7 +14440,17 @@
                 <a:latin typeface="微软雅黑" panose="020B0503020204020204" pitchFamily="34" charset="-122"/>
                 <a:ea typeface="微软雅黑" panose="020B0503020204020204" pitchFamily="34" charset="-122"/>
               </a:rPr>
-              <a:t>  -----------------</a:t>
+              <a:t>  </a:t>
+            </a:r>
+            <a:r>
+              <a:rPr lang="zh-CN" altLang="en-US" sz="1100" dirty="0" smtClean="0">
+                <a:solidFill>
+                  <a:srgbClr val="002B41"/>
+                </a:solidFill>
+                <a:latin typeface="微软雅黑" panose="020B0503020204020204" pitchFamily="34" charset="-122"/>
+                <a:ea typeface="微软雅黑" panose="020B0503020204020204" pitchFamily="34" charset="-122"/>
+              </a:rPr>
+              <a:t>处理过程</a:t>
             </a:r>
             <a:endParaRPr lang="en-US" altLang="zh-CN" sz="1100" dirty="0" smtClean="0">
               <a:solidFill>
@@ -14844,17 +14930,7 @@
                 <a:latin typeface="微软雅黑" panose="020B0503020204020204" pitchFamily="34" charset="-122"/>
                 <a:ea typeface="微软雅黑" panose="020B0503020204020204" pitchFamily="34" charset="-122"/>
               </a:rPr>
-              <a:t>1</a:t>
-            </a:r>
-            <a:r>
-              <a:rPr lang="en-US" altLang="zh-CN" sz="1400" dirty="0" smtClean="0">
-                <a:solidFill>
-                  <a:srgbClr val="002B41"/>
-                </a:solidFill>
-                <a:latin typeface="微软雅黑" panose="020B0503020204020204" pitchFamily="34" charset="-122"/>
-                <a:ea typeface="微软雅黑" panose="020B0503020204020204" pitchFamily="34" charset="-122"/>
-              </a:rPr>
-              <a:t>-4</a:t>
+              <a:t>1-4</a:t>
             </a:r>
             <a:r>
               <a:rPr lang="zh-CN" altLang="en-US" sz="1400" dirty="0" smtClean="0">
@@ -14964,7 +15040,37 @@
                 <a:latin typeface="微软雅黑" panose="020B0503020204020204" pitchFamily="34" charset="-122"/>
                 <a:ea typeface="微软雅黑" panose="020B0503020204020204" pitchFamily="34" charset="-122"/>
               </a:rPr>
-              <a:t>暂不处理）。</a:t>
+              <a:t>用</a:t>
+            </a:r>
+            <a:r>
+              <a:rPr lang="en-US" altLang="zh-CN" sz="1400" dirty="0" smtClean="0">
+                <a:solidFill>
+                  <a:srgbClr val="002B41"/>
+                </a:solidFill>
+                <a:latin typeface="微软雅黑" panose="020B0503020204020204" pitchFamily="34" charset="-122"/>
+                <a:ea typeface="微软雅黑" panose="020B0503020204020204" pitchFamily="34" charset="-122"/>
+              </a:rPr>
+              <a:t>-1</a:t>
+            </a:r>
+            <a:r>
+              <a:rPr lang="zh-CN" altLang="en-US" sz="1400" dirty="0" smtClean="0">
+                <a:solidFill>
+                  <a:srgbClr val="002B41"/>
+                </a:solidFill>
+                <a:latin typeface="微软雅黑" panose="020B0503020204020204" pitchFamily="34" charset="-122"/>
+                <a:ea typeface="微软雅黑" panose="020B0503020204020204" pitchFamily="34" charset="-122"/>
+              </a:rPr>
+              <a:t>）</a:t>
+            </a:r>
+            <a:r>
+              <a:rPr lang="zh-CN" altLang="en-US" sz="1400" dirty="0" smtClean="0">
+                <a:solidFill>
+                  <a:srgbClr val="002B41"/>
+                </a:solidFill>
+                <a:latin typeface="微软雅黑" panose="020B0503020204020204" pitchFamily="34" charset="-122"/>
+                <a:ea typeface="微软雅黑" panose="020B0503020204020204" pitchFamily="34" charset="-122"/>
+              </a:rPr>
+              <a:t>。</a:t>
             </a:r>
             <a:endParaRPr lang="en-US" altLang="zh-CN" sz="1400" dirty="0" smtClean="0">
               <a:solidFill>
